--- a/img/change_sequences.pptx
+++ b/img/change_sequences.pptx
@@ -242,7 +242,7 @@
           <a:lstStyle/>
           <a:p>
             <a:fld id="{F2E552FF-B4A5-B246-AE3C-479703C0625A}" type="datetimeFigureOut">
-              <a:t>04.06.20</a:t>
+              <a:t>07.08.20</a:t>
             </a:fld>
             <a:endParaRPr lang="de-DE"/>
           </a:p>
@@ -411,7 +411,7 @@
           <a:lstStyle/>
           <a:p>
             <a:fld id="{F2E552FF-B4A5-B246-AE3C-479703C0625A}" type="datetimeFigureOut">
-              <a:t>04.06.20</a:t>
+              <a:t>07.08.20</a:t>
             </a:fld>
             <a:endParaRPr lang="de-DE"/>
           </a:p>
@@ -590,7 +590,7 @@
           <a:lstStyle/>
           <a:p>
             <a:fld id="{F2E552FF-B4A5-B246-AE3C-479703C0625A}" type="datetimeFigureOut">
-              <a:t>04.06.20</a:t>
+              <a:t>07.08.20</a:t>
             </a:fld>
             <a:endParaRPr lang="de-DE"/>
           </a:p>
@@ -759,7 +759,7 @@
           <a:lstStyle/>
           <a:p>
             <a:fld id="{F2E552FF-B4A5-B246-AE3C-479703C0625A}" type="datetimeFigureOut">
-              <a:t>04.06.20</a:t>
+              <a:t>07.08.20</a:t>
             </a:fld>
             <a:endParaRPr lang="de-DE"/>
           </a:p>
@@ -1004,7 +1004,7 @@
           <a:lstStyle/>
           <a:p>
             <a:fld id="{F2E552FF-B4A5-B246-AE3C-479703C0625A}" type="datetimeFigureOut">
-              <a:t>04.06.20</a:t>
+              <a:t>07.08.20</a:t>
             </a:fld>
             <a:endParaRPr lang="de-DE"/>
           </a:p>
@@ -1235,7 +1235,7 @@
           <a:lstStyle/>
           <a:p>
             <a:fld id="{F2E552FF-B4A5-B246-AE3C-479703C0625A}" type="datetimeFigureOut">
-              <a:t>04.06.20</a:t>
+              <a:t>07.08.20</a:t>
             </a:fld>
             <a:endParaRPr lang="de-DE"/>
           </a:p>
@@ -1601,7 +1601,7 @@
           <a:lstStyle/>
           <a:p>
             <a:fld id="{F2E552FF-B4A5-B246-AE3C-479703C0625A}" type="datetimeFigureOut">
-              <a:t>04.06.20</a:t>
+              <a:t>07.08.20</a:t>
             </a:fld>
             <a:endParaRPr lang="de-DE"/>
           </a:p>
@@ -1718,7 +1718,7 @@
           <a:lstStyle/>
           <a:p>
             <a:fld id="{F2E552FF-B4A5-B246-AE3C-479703C0625A}" type="datetimeFigureOut">
-              <a:t>04.06.20</a:t>
+              <a:t>07.08.20</a:t>
             </a:fld>
             <a:endParaRPr lang="de-DE"/>
           </a:p>
@@ -1812,7 +1812,7 @@
           <a:lstStyle/>
           <a:p>
             <a:fld id="{F2E552FF-B4A5-B246-AE3C-479703C0625A}" type="datetimeFigureOut">
-              <a:t>04.06.20</a:t>
+              <a:t>07.08.20</a:t>
             </a:fld>
             <a:endParaRPr lang="de-DE"/>
           </a:p>
@@ -2088,7 +2088,7 @@
           <a:lstStyle/>
           <a:p>
             <a:fld id="{F2E552FF-B4A5-B246-AE3C-479703C0625A}" type="datetimeFigureOut">
-              <a:t>04.06.20</a:t>
+              <a:t>07.08.20</a:t>
             </a:fld>
             <a:endParaRPr lang="de-DE"/>
           </a:p>
@@ -2344,7 +2344,7 @@
           <a:lstStyle/>
           <a:p>
             <a:fld id="{F2E552FF-B4A5-B246-AE3C-479703C0625A}" type="datetimeFigureOut">
-              <a:t>04.06.20</a:t>
+              <a:t>07.08.20</a:t>
             </a:fld>
             <a:endParaRPr lang="de-DE"/>
           </a:p>
@@ -2556,7 +2556,7 @@
           </a:lstStyle>
           <a:p>
             <a:fld id="{F2E552FF-B4A5-B246-AE3C-479703C0625A}" type="datetimeFigureOut">
-              <a:t>04.06.20</a:t>
+              <a:t>07.08.20</a:t>
             </a:fld>
             <a:endParaRPr lang="de-DE"/>
           </a:p>
@@ -2975,7 +2975,7 @@
         </p:nvSpPr>
         <p:spPr>
           <a:xfrm>
-            <a:off x="294069" y="389772"/>
+            <a:off x="294069" y="692272"/>
             <a:ext cx="1145509" cy="251209"/>
           </a:xfrm>
           <a:prstGeom prst="roundRect">
@@ -3039,7 +3039,7 @@
         </p:nvSpPr>
         <p:spPr>
           <a:xfrm>
-            <a:off x="1730195" y="389772"/>
+            <a:off x="1730195" y="692272"/>
             <a:ext cx="1145509" cy="251209"/>
           </a:xfrm>
           <a:prstGeom prst="roundRect">
@@ -3103,7 +3103,7 @@
         </p:nvSpPr>
         <p:spPr>
           <a:xfrm>
-            <a:off x="3166323" y="389773"/>
+            <a:off x="3166323" y="692273"/>
             <a:ext cx="1145509" cy="251209"/>
           </a:xfrm>
           <a:prstGeom prst="roundRect">
@@ -3167,7 +3167,7 @@
         </p:nvSpPr>
         <p:spPr>
           <a:xfrm>
-            <a:off x="4602449" y="389773"/>
+            <a:off x="4602449" y="692273"/>
             <a:ext cx="1145509" cy="251209"/>
           </a:xfrm>
           <a:prstGeom prst="roundRect">
@@ -3234,7 +3234,7 @@
         </p:nvCxnSpPr>
         <p:spPr>
           <a:xfrm>
-            <a:off x="1439578" y="515376"/>
+            <a:off x="1439578" y="817876"/>
             <a:ext cx="290617" cy="0"/>
           </a:xfrm>
           <a:prstGeom prst="straightConnector1">
@@ -3280,7 +3280,7 @@
         </p:nvCxnSpPr>
         <p:spPr>
           <a:xfrm flipV="1">
-            <a:off x="2875706" y="515378"/>
+            <a:off x="2875706" y="817878"/>
             <a:ext cx="290617" cy="1"/>
           </a:xfrm>
           <a:prstGeom prst="straightConnector1">
@@ -3326,7 +3326,7 @@
         </p:nvCxnSpPr>
         <p:spPr>
           <a:xfrm>
-            <a:off x="4311832" y="515375"/>
+            <a:off x="4311832" y="817875"/>
             <a:ext cx="290617" cy="0"/>
           </a:xfrm>
           <a:prstGeom prst="straightConnector1">
@@ -3368,7 +3368,7 @@
         </p:nvSpPr>
         <p:spPr>
           <a:xfrm>
-            <a:off x="295319" y="1143220"/>
+            <a:off x="295319" y="1445720"/>
             <a:ext cx="1145509" cy="251209"/>
           </a:xfrm>
           <a:prstGeom prst="roundRect">
@@ -3432,7 +3432,7 @@
         </p:nvSpPr>
         <p:spPr>
           <a:xfrm>
-            <a:off x="1731445" y="1143220"/>
+            <a:off x="1731445" y="1445720"/>
             <a:ext cx="1145509" cy="251209"/>
           </a:xfrm>
           <a:prstGeom prst="roundRect">
@@ -3496,7 +3496,7 @@
         </p:nvSpPr>
         <p:spPr>
           <a:xfrm>
-            <a:off x="3167573" y="1143221"/>
+            <a:off x="3167573" y="1445721"/>
             <a:ext cx="1145509" cy="251209"/>
           </a:xfrm>
           <a:prstGeom prst="roundRect">
@@ -3560,7 +3560,7 @@
         </p:nvSpPr>
         <p:spPr>
           <a:xfrm>
-            <a:off x="4603699" y="1143221"/>
+            <a:off x="4603699" y="1445721"/>
             <a:ext cx="1145509" cy="251209"/>
           </a:xfrm>
           <a:prstGeom prst="roundRect">
@@ -3628,7 +3628,7 @@
         </p:nvCxnSpPr>
         <p:spPr>
           <a:xfrm flipV="1">
-            <a:off x="1440828" y="1268824"/>
+            <a:off x="1440828" y="1571324"/>
             <a:ext cx="1726743" cy="1"/>
           </a:xfrm>
           <a:prstGeom prst="straightConnector1">
@@ -3674,7 +3674,7 @@
         </p:nvCxnSpPr>
         <p:spPr>
           <a:xfrm>
-            <a:off x="4313082" y="1268823"/>
+            <a:off x="4313082" y="1571323"/>
             <a:ext cx="290617" cy="0"/>
           </a:xfrm>
           <a:prstGeom prst="straightConnector1">
@@ -3716,7 +3716,7 @@
         </p:nvSpPr>
         <p:spPr>
           <a:xfrm>
-            <a:off x="295316" y="2655099"/>
+            <a:off x="295316" y="2957599"/>
             <a:ext cx="1145509" cy="251209"/>
           </a:xfrm>
           <a:prstGeom prst="roundRect">
@@ -3780,7 +3780,7 @@
         </p:nvSpPr>
         <p:spPr>
           <a:xfrm>
-            <a:off x="1731442" y="2655099"/>
+            <a:off x="1731442" y="2957599"/>
             <a:ext cx="1145509" cy="251209"/>
           </a:xfrm>
           <a:prstGeom prst="roundRect">
@@ -3848,7 +3848,7 @@
         </p:nvSpPr>
         <p:spPr>
           <a:xfrm>
-            <a:off x="3167570" y="2655100"/>
+            <a:off x="3167570" y="2957600"/>
             <a:ext cx="1145509" cy="251209"/>
           </a:xfrm>
           <a:prstGeom prst="roundRect">
@@ -3916,7 +3916,7 @@
         </p:nvSpPr>
         <p:spPr>
           <a:xfrm>
-            <a:off x="4603696" y="2655100"/>
+            <a:off x="4603696" y="2957600"/>
             <a:ext cx="1145509" cy="251209"/>
           </a:xfrm>
           <a:prstGeom prst="roundRect">
@@ -3983,7 +3983,7 @@
         </p:nvCxnSpPr>
         <p:spPr>
           <a:xfrm>
-            <a:off x="1440825" y="2780702"/>
+            <a:off x="1440825" y="3083202"/>
             <a:ext cx="290617" cy="0"/>
           </a:xfrm>
           <a:prstGeom prst="straightConnector1">
@@ -4029,7 +4029,7 @@
         </p:nvCxnSpPr>
         <p:spPr>
           <a:xfrm flipV="1">
-            <a:off x="2876953" y="2780705"/>
+            <a:off x="2876953" y="3083205"/>
             <a:ext cx="290617" cy="1"/>
           </a:xfrm>
           <a:prstGeom prst="straightConnector1">
@@ -4075,7 +4075,7 @@
         </p:nvCxnSpPr>
         <p:spPr>
           <a:xfrm>
-            <a:off x="4313079" y="2780701"/>
+            <a:off x="4313079" y="3083201"/>
             <a:ext cx="290617" cy="0"/>
           </a:xfrm>
           <a:prstGeom prst="straightConnector1">
@@ -4117,7 +4117,7 @@
         </p:nvSpPr>
         <p:spPr>
           <a:xfrm>
-            <a:off x="294069" y="1910297"/>
+            <a:off x="294069" y="2212797"/>
             <a:ext cx="1145509" cy="251209"/>
           </a:xfrm>
           <a:prstGeom prst="roundRect">
@@ -4181,7 +4181,7 @@
         </p:nvSpPr>
         <p:spPr>
           <a:xfrm>
-            <a:off x="1730195" y="1910297"/>
+            <a:off x="1730195" y="2212797"/>
             <a:ext cx="1145509" cy="251209"/>
           </a:xfrm>
           <a:prstGeom prst="roundRect">
@@ -4249,7 +4249,7 @@
         </p:nvSpPr>
         <p:spPr>
           <a:xfrm>
-            <a:off x="3166323" y="1910298"/>
+            <a:off x="3166323" y="2212798"/>
             <a:ext cx="1145509" cy="251209"/>
           </a:xfrm>
           <a:prstGeom prst="roundRect">
@@ -4317,7 +4317,7 @@
         </p:nvSpPr>
         <p:spPr>
           <a:xfrm>
-            <a:off x="4602449" y="1910298"/>
+            <a:off x="4602449" y="2212798"/>
             <a:ext cx="1145509" cy="251209"/>
           </a:xfrm>
           <a:prstGeom prst="roundRect">
@@ -4388,7 +4388,7 @@
         </p:nvCxnSpPr>
         <p:spPr>
           <a:xfrm>
-            <a:off x="1439578" y="2035900"/>
+            <a:off x="1439578" y="2338400"/>
             <a:ext cx="290617" cy="0"/>
           </a:xfrm>
           <a:prstGeom prst="straightConnector1">
@@ -4434,7 +4434,7 @@
         </p:nvCxnSpPr>
         <p:spPr>
           <a:xfrm flipV="1">
-            <a:off x="2875706" y="2035903"/>
+            <a:off x="2875706" y="2338403"/>
             <a:ext cx="290617" cy="1"/>
           </a:xfrm>
           <a:prstGeom prst="straightConnector1">
@@ -4480,7 +4480,7 @@
         </p:nvCxnSpPr>
         <p:spPr>
           <a:xfrm>
-            <a:off x="4311832" y="2035899"/>
+            <a:off x="4311832" y="2338399"/>
             <a:ext cx="290617" cy="0"/>
           </a:xfrm>
           <a:prstGeom prst="straightConnector1">
@@ -4522,7 +4522,7 @@
         </p:nvSpPr>
         <p:spPr>
           <a:xfrm>
-            <a:off x="294071" y="3405238"/>
+            <a:off x="294071" y="3707738"/>
             <a:ext cx="1145509" cy="251209"/>
           </a:xfrm>
           <a:prstGeom prst="roundRect">
@@ -4586,7 +4586,7 @@
         </p:nvSpPr>
         <p:spPr>
           <a:xfrm>
-            <a:off x="1730197" y="3405238"/>
+            <a:off x="1730197" y="3707738"/>
             <a:ext cx="1145509" cy="251209"/>
           </a:xfrm>
           <a:prstGeom prst="roundRect">
@@ -4650,7 +4650,7 @@
         </p:nvSpPr>
         <p:spPr>
           <a:xfrm>
-            <a:off x="3166325" y="3405239"/>
+            <a:off x="3166325" y="3707739"/>
             <a:ext cx="1145509" cy="251209"/>
           </a:xfrm>
           <a:prstGeom prst="roundRect">
@@ -4716,7 +4716,7 @@
         </p:nvSpPr>
         <p:spPr>
           <a:xfrm>
-            <a:off x="4602451" y="3405239"/>
+            <a:off x="4602451" y="3707739"/>
             <a:ext cx="1145509" cy="251209"/>
           </a:xfrm>
           <a:prstGeom prst="roundRect">
@@ -4783,7 +4783,7 @@
         </p:nvCxnSpPr>
         <p:spPr>
           <a:xfrm>
-            <a:off x="1439580" y="3530841"/>
+            <a:off x="1439580" y="3833341"/>
             <a:ext cx="290617" cy="0"/>
           </a:xfrm>
           <a:prstGeom prst="straightConnector1">
@@ -4829,7 +4829,7 @@
         </p:nvCxnSpPr>
         <p:spPr>
           <a:xfrm flipV="1">
-            <a:off x="2875708" y="3530844"/>
+            <a:off x="2875708" y="3833344"/>
             <a:ext cx="290617" cy="1"/>
           </a:xfrm>
           <a:prstGeom prst="straightConnector1">
@@ -4875,7 +4875,7 @@
         </p:nvCxnSpPr>
         <p:spPr>
           <a:xfrm>
-            <a:off x="4311834" y="3530840"/>
+            <a:off x="4311834" y="3833340"/>
             <a:ext cx="290617" cy="0"/>
           </a:xfrm>
           <a:prstGeom prst="straightConnector1">
@@ -4920,7 +4920,7 @@
         </p:nvCxnSpPr>
         <p:spPr>
           <a:xfrm>
-            <a:off x="1731445" y="1268824"/>
+            <a:off x="1731445" y="1571324"/>
             <a:ext cx="1145509" cy="0"/>
           </a:xfrm>
           <a:prstGeom prst="line">
@@ -4961,7 +4961,7 @@
         </p:nvSpPr>
         <p:spPr>
           <a:xfrm>
-            <a:off x="6039820" y="2655098"/>
+            <a:off x="6039820" y="2957598"/>
             <a:ext cx="1145509" cy="251209"/>
           </a:xfrm>
           <a:prstGeom prst="roundRect">
@@ -5028,7 +5028,7 @@
         </p:nvCxnSpPr>
         <p:spPr>
           <a:xfrm>
-            <a:off x="5749203" y="2780701"/>
+            <a:off x="5749203" y="3083201"/>
             <a:ext cx="290617" cy="0"/>
           </a:xfrm>
           <a:prstGeom prst="straightConnector1">
@@ -5070,7 +5070,7 @@
         </p:nvSpPr>
         <p:spPr>
           <a:xfrm>
-            <a:off x="6038575" y="3405237"/>
+            <a:off x="6038575" y="3707737"/>
             <a:ext cx="1145509" cy="251209"/>
           </a:xfrm>
           <a:prstGeom prst="roundRect">
@@ -5137,7 +5137,7 @@
         </p:nvCxnSpPr>
         <p:spPr>
           <a:xfrm>
-            <a:off x="5747958" y="3530840"/>
+            <a:off x="5747958" y="3833340"/>
             <a:ext cx="290617" cy="0"/>
           </a:xfrm>
           <a:prstGeom prst="straightConnector1">
@@ -5179,7 +5179,7 @@
         </p:nvSpPr>
         <p:spPr>
           <a:xfrm>
-            <a:off x="106133" y="891866"/>
+            <a:off x="106133" y="1194366"/>
             <a:ext cx="1417338" cy="179110"/>
           </a:xfrm>
           <a:prstGeom prst="roundRect">
@@ -5243,7 +5243,7 @@
         </p:nvSpPr>
         <p:spPr>
           <a:xfrm>
-            <a:off x="106133" y="2401377"/>
+            <a:off x="106133" y="2703877"/>
             <a:ext cx="1417338" cy="179110"/>
           </a:xfrm>
           <a:prstGeom prst="roundRect">
@@ -5307,7 +5307,7 @@
         </p:nvSpPr>
         <p:spPr>
           <a:xfrm>
-            <a:off x="106133" y="132049"/>
+            <a:off x="106133" y="434549"/>
             <a:ext cx="1417338" cy="179110"/>
           </a:xfrm>
           <a:prstGeom prst="roundRect">
@@ -5371,7 +5371,7 @@
         </p:nvSpPr>
         <p:spPr>
           <a:xfrm>
-            <a:off x="106133" y="1647795"/>
+            <a:off x="106133" y="1950295"/>
             <a:ext cx="1417338" cy="179110"/>
           </a:xfrm>
           <a:prstGeom prst="roundRect">
@@ -5435,7 +5435,7 @@
         </p:nvSpPr>
         <p:spPr>
           <a:xfrm>
-            <a:off x="106133" y="3154027"/>
+            <a:off x="106133" y="3456527"/>
             <a:ext cx="1417338" cy="179110"/>
           </a:xfrm>
           <a:prstGeom prst="roundRect">
@@ -5499,7 +5499,7 @@
         </p:nvSpPr>
         <p:spPr>
           <a:xfrm>
-            <a:off x="226672" y="311159"/>
+            <a:off x="226672" y="613659"/>
             <a:ext cx="5631443" cy="405230"/>
           </a:xfrm>
           <a:prstGeom prst="roundRect">
@@ -5552,7 +5552,7 @@
         </p:nvSpPr>
         <p:spPr>
           <a:xfrm>
-            <a:off x="226671" y="1069032"/>
+            <a:off x="226671" y="1371532"/>
             <a:ext cx="5631443" cy="405230"/>
           </a:xfrm>
           <a:prstGeom prst="roundRect">
@@ -5605,7 +5605,7 @@
         </p:nvSpPr>
         <p:spPr>
           <a:xfrm>
-            <a:off x="215761" y="1821971"/>
+            <a:off x="215761" y="2124471"/>
             <a:ext cx="5631443" cy="405230"/>
           </a:xfrm>
           <a:prstGeom prst="roundRect">
@@ -5658,7 +5658,7 @@
         </p:nvSpPr>
         <p:spPr>
           <a:xfrm>
-            <a:off x="226669" y="2582720"/>
+            <a:off x="226669" y="2885220"/>
             <a:ext cx="7006198" cy="405230"/>
           </a:xfrm>
           <a:prstGeom prst="roundRect">
@@ -5711,534 +5711,8 @@
         </p:nvSpPr>
         <p:spPr>
           <a:xfrm>
-            <a:off x="225424" y="3334685"/>
+            <a:off x="225424" y="3637185"/>
             <a:ext cx="7006198" cy="405230"/>
-          </a:xfrm>
-          <a:prstGeom prst="roundRect">
-            <a:avLst/>
-          </a:prstGeom>
-          <a:noFill/>
-          <a:ln w="6350">
-            <a:solidFill>
-              <a:schemeClr val="tx1"/>
-            </a:solidFill>
-            <a:prstDash val="sysDot"/>
-          </a:ln>
-        </p:spPr>
-        <p:style>
-          <a:lnRef idx="2">
-            <a:schemeClr val="accent1">
-              <a:shade val="50000"/>
-            </a:schemeClr>
-          </a:lnRef>
-          <a:fillRef idx="1">
-            <a:schemeClr val="accent1"/>
-          </a:fillRef>
-          <a:effectRef idx="0">
-            <a:schemeClr val="accent1"/>
-          </a:effectRef>
-          <a:fontRef idx="minor">
-            <a:schemeClr val="lt1"/>
-          </a:fontRef>
-        </p:style>
-        <p:txBody>
-          <a:bodyPr rtlCol="0" anchor="ctr"/>
-          <a:lstStyle/>
-          <a:p>
-            <a:pPr algn="ctr"/>
-            <a:endParaRPr lang="de-DE"/>
-          </a:p>
-        </p:txBody>
-      </p:sp>
-      <p:sp>
-        <p:nvSpPr>
-          <p:cNvPr id="51" name="Rounded Rectangle 50">
-            <a:extLst>
-              <a:ext uri="{FF2B5EF4-FFF2-40B4-BE49-F238E27FC236}">
-                <a16:creationId xmlns:a16="http://schemas.microsoft.com/office/drawing/2014/main" id="{1DFB7644-A74A-C44A-90B7-C82709DFF2B8}"/>
-              </a:ext>
-            </a:extLst>
-          </p:cNvPr>
-          <p:cNvSpPr/>
-          <p:nvPr/>
-        </p:nvSpPr>
-        <p:spPr>
-          <a:xfrm>
-            <a:off x="294069" y="4165263"/>
-            <a:ext cx="1145509" cy="251209"/>
-          </a:xfrm>
-          <a:prstGeom prst="roundRect">
-            <a:avLst/>
-          </a:prstGeom>
-          <a:solidFill>
-            <a:schemeClr val="bg1">
-              <a:lumMod val="75000"/>
-            </a:schemeClr>
-          </a:solidFill>
-          <a:ln>
-            <a:solidFill>
-              <a:schemeClr val="tx1"/>
-            </a:solidFill>
-          </a:ln>
-        </p:spPr>
-        <p:style>
-          <a:lnRef idx="2">
-            <a:schemeClr val="accent1">
-              <a:shade val="50000"/>
-            </a:schemeClr>
-          </a:lnRef>
-          <a:fillRef idx="1">
-            <a:schemeClr val="accent1"/>
-          </a:fillRef>
-          <a:effectRef idx="0">
-            <a:schemeClr val="accent1"/>
-          </a:effectRef>
-          <a:fontRef idx="minor">
-            <a:schemeClr val="lt1"/>
-          </a:fontRef>
-        </p:style>
-        <p:txBody>
-          <a:bodyPr rot="0" spcFirstLastPara="0" vertOverflow="overflow" horzOverflow="overflow" vert="horz" wrap="square" lIns="91440" tIns="45720" rIns="91440" bIns="45720" numCol="1" spcCol="0" rtlCol="0" fromWordArt="0" anchor="ctr" anchorCtr="0" forceAA="0" compatLnSpc="1">
-            <a:prstTxWarp prst="textNoShape">
-              <a:avLst/>
-            </a:prstTxWarp>
-            <a:noAutofit/>
-          </a:bodyPr>
-          <a:lstStyle/>
-          <a:p>
-            <a:pPr algn="ctr"/>
-            <a:r>
-              <a:rPr lang="de-DE" sz="1050">
-                <a:solidFill>
-                  <a:schemeClr val="tx1"/>
-                </a:solidFill>
-              </a:rPr>
-              <a:t>Log Event 4</a:t>
-            </a:r>
-          </a:p>
-        </p:txBody>
-      </p:sp>
-      <p:sp>
-        <p:nvSpPr>
-          <p:cNvPr id="52" name="Rounded Rectangle 51">
-            <a:extLst>
-              <a:ext uri="{FF2B5EF4-FFF2-40B4-BE49-F238E27FC236}">
-                <a16:creationId xmlns:a16="http://schemas.microsoft.com/office/drawing/2014/main" id="{C61DB297-0AF3-5A41-81DD-5C31656E6848}"/>
-              </a:ext>
-            </a:extLst>
-          </p:cNvPr>
-          <p:cNvSpPr/>
-          <p:nvPr/>
-        </p:nvSpPr>
-        <p:spPr>
-          <a:xfrm>
-            <a:off x="1730195" y="4165263"/>
-            <a:ext cx="1145509" cy="251209"/>
-          </a:xfrm>
-          <a:prstGeom prst="roundRect">
-            <a:avLst/>
-          </a:prstGeom>
-          <a:solidFill>
-            <a:schemeClr val="bg1">
-              <a:lumMod val="75000"/>
-            </a:schemeClr>
-          </a:solidFill>
-          <a:ln>
-            <a:solidFill>
-              <a:schemeClr val="tx1"/>
-            </a:solidFill>
-          </a:ln>
-        </p:spPr>
-        <p:style>
-          <a:lnRef idx="2">
-            <a:schemeClr val="accent1">
-              <a:shade val="50000"/>
-            </a:schemeClr>
-          </a:lnRef>
-          <a:fillRef idx="1">
-            <a:schemeClr val="accent1"/>
-          </a:fillRef>
-          <a:effectRef idx="0">
-            <a:schemeClr val="accent1"/>
-          </a:effectRef>
-          <a:fontRef idx="minor">
-            <a:schemeClr val="lt1"/>
-          </a:fontRef>
-        </p:style>
-        <p:txBody>
-          <a:bodyPr rot="0" spcFirstLastPara="0" vertOverflow="overflow" horzOverflow="overflow" vert="horz" wrap="square" lIns="91440" tIns="45720" rIns="91440" bIns="45720" numCol="1" spcCol="0" rtlCol="0" fromWordArt="0" anchor="ctr" anchorCtr="0" forceAA="0" compatLnSpc="1">
-            <a:prstTxWarp prst="textNoShape">
-              <a:avLst/>
-            </a:prstTxWarp>
-            <a:noAutofit/>
-          </a:bodyPr>
-          <a:lstStyle/>
-          <a:p>
-            <a:pPr algn="ctr"/>
-            <a:r>
-              <a:rPr lang="de-DE" sz="1050">
-                <a:solidFill>
-                  <a:schemeClr val="tx1"/>
-                </a:solidFill>
-              </a:rPr>
-              <a:t>Log Event 3</a:t>
-            </a:r>
-          </a:p>
-        </p:txBody>
-      </p:sp>
-      <p:sp>
-        <p:nvSpPr>
-          <p:cNvPr id="53" name="Rounded Rectangle 52">
-            <a:extLst>
-              <a:ext uri="{FF2B5EF4-FFF2-40B4-BE49-F238E27FC236}">
-                <a16:creationId xmlns:a16="http://schemas.microsoft.com/office/drawing/2014/main" id="{D67F0675-E796-7942-8782-D487AE9D0944}"/>
-              </a:ext>
-            </a:extLst>
-          </p:cNvPr>
-          <p:cNvSpPr/>
-          <p:nvPr/>
-        </p:nvSpPr>
-        <p:spPr>
-          <a:xfrm>
-            <a:off x="3166323" y="4165264"/>
-            <a:ext cx="1145509" cy="251209"/>
-          </a:xfrm>
-          <a:prstGeom prst="roundRect">
-            <a:avLst/>
-          </a:prstGeom>
-          <a:solidFill>
-            <a:schemeClr val="bg1">
-              <a:lumMod val="75000"/>
-            </a:schemeClr>
-          </a:solidFill>
-          <a:ln>
-            <a:solidFill>
-              <a:schemeClr val="tx1"/>
-            </a:solidFill>
-          </a:ln>
-        </p:spPr>
-        <p:style>
-          <a:lnRef idx="2">
-            <a:schemeClr val="accent1">
-              <a:shade val="50000"/>
-            </a:schemeClr>
-          </a:lnRef>
-          <a:fillRef idx="1">
-            <a:schemeClr val="accent1"/>
-          </a:fillRef>
-          <a:effectRef idx="0">
-            <a:schemeClr val="accent1"/>
-          </a:effectRef>
-          <a:fontRef idx="minor">
-            <a:schemeClr val="lt1"/>
-          </a:fontRef>
-        </p:style>
-        <p:txBody>
-          <a:bodyPr rot="0" spcFirstLastPara="0" vertOverflow="overflow" horzOverflow="overflow" vert="horz" wrap="square" lIns="91440" tIns="45720" rIns="91440" bIns="45720" numCol="1" spcCol="0" rtlCol="0" fromWordArt="0" anchor="ctr" anchorCtr="0" forceAA="0" compatLnSpc="1">
-            <a:prstTxWarp prst="textNoShape">
-              <a:avLst/>
-            </a:prstTxWarp>
-            <a:noAutofit/>
-          </a:bodyPr>
-          <a:lstStyle/>
-          <a:p>
-            <a:pPr algn="ctr"/>
-            <a:r>
-              <a:rPr lang="de-DE" sz="1050">
-                <a:solidFill>
-                  <a:schemeClr val="tx1"/>
-                </a:solidFill>
-              </a:rPr>
-              <a:t>Log Event 2</a:t>
-            </a:r>
-          </a:p>
-        </p:txBody>
-      </p:sp>
-      <p:sp>
-        <p:nvSpPr>
-          <p:cNvPr id="54" name="Rounded Rectangle 53">
-            <a:extLst>
-              <a:ext uri="{FF2B5EF4-FFF2-40B4-BE49-F238E27FC236}">
-                <a16:creationId xmlns:a16="http://schemas.microsoft.com/office/drawing/2014/main" id="{F061F1B7-5E70-344B-B10E-29EBC7CF8C92}"/>
-              </a:ext>
-            </a:extLst>
-          </p:cNvPr>
-          <p:cNvSpPr/>
-          <p:nvPr/>
-        </p:nvSpPr>
-        <p:spPr>
-          <a:xfrm>
-            <a:off x="4602449" y="4165264"/>
-            <a:ext cx="1145509" cy="251209"/>
-          </a:xfrm>
-          <a:prstGeom prst="roundRect">
-            <a:avLst/>
-          </a:prstGeom>
-          <a:solidFill>
-            <a:schemeClr val="bg1">
-              <a:lumMod val="75000"/>
-            </a:schemeClr>
-          </a:solidFill>
-          <a:ln>
-            <a:solidFill>
-              <a:schemeClr val="tx1"/>
-            </a:solidFill>
-          </a:ln>
-        </p:spPr>
-        <p:style>
-          <a:lnRef idx="2">
-            <a:schemeClr val="accent1">
-              <a:shade val="50000"/>
-            </a:schemeClr>
-          </a:lnRef>
-          <a:fillRef idx="1">
-            <a:schemeClr val="accent1"/>
-          </a:fillRef>
-          <a:effectRef idx="0">
-            <a:schemeClr val="accent1"/>
-          </a:effectRef>
-          <a:fontRef idx="minor">
-            <a:schemeClr val="lt1"/>
-          </a:fontRef>
-        </p:style>
-        <p:txBody>
-          <a:bodyPr rot="0" spcFirstLastPara="0" vertOverflow="overflow" horzOverflow="overflow" vert="horz" wrap="square" lIns="91440" tIns="45720" rIns="91440" bIns="45720" numCol="1" spcCol="0" rtlCol="0" fromWordArt="0" anchor="ctr" anchorCtr="0" forceAA="0" compatLnSpc="1">
-            <a:prstTxWarp prst="textNoShape">
-              <a:avLst/>
-            </a:prstTxWarp>
-            <a:noAutofit/>
-          </a:bodyPr>
-          <a:lstStyle/>
-          <a:p>
-            <a:pPr algn="ctr"/>
-            <a:r>
-              <a:rPr lang="de-DE" sz="1050">
-                <a:solidFill>
-                  <a:schemeClr val="tx1"/>
-                </a:solidFill>
-              </a:rPr>
-              <a:t>Log Event 1</a:t>
-            </a:r>
-          </a:p>
-        </p:txBody>
-      </p:sp>
-      <p:cxnSp>
-        <p:nvCxnSpPr>
-          <p:cNvPr id="55" name="Straight Arrow Connector 54">
-            <a:extLst>
-              <a:ext uri="{FF2B5EF4-FFF2-40B4-BE49-F238E27FC236}">
-                <a16:creationId xmlns:a16="http://schemas.microsoft.com/office/drawing/2014/main" id="{861FBB2A-5773-964A-893D-4827EA3CC9DC}"/>
-              </a:ext>
-            </a:extLst>
-          </p:cNvPr>
-          <p:cNvCxnSpPr>
-            <a:stCxn id="51" idx="3"/>
-            <a:endCxn id="52" idx="1"/>
-          </p:cNvCxnSpPr>
-          <p:nvPr/>
-        </p:nvCxnSpPr>
-        <p:spPr>
-          <a:xfrm>
-            <a:off x="1439578" y="4290867"/>
-            <a:ext cx="290617" cy="0"/>
-          </a:xfrm>
-          <a:prstGeom prst="straightConnector1">
-            <a:avLst/>
-          </a:prstGeom>
-          <a:ln>
-            <a:solidFill>
-              <a:schemeClr val="tx1"/>
-            </a:solidFill>
-            <a:tailEnd type="triangle"/>
-          </a:ln>
-        </p:spPr>
-        <p:style>
-          <a:lnRef idx="1">
-            <a:schemeClr val="accent1"/>
-          </a:lnRef>
-          <a:fillRef idx="0">
-            <a:schemeClr val="accent1"/>
-          </a:fillRef>
-          <a:effectRef idx="0">
-            <a:schemeClr val="accent1"/>
-          </a:effectRef>
-          <a:fontRef idx="minor">
-            <a:schemeClr val="tx1"/>
-          </a:fontRef>
-        </p:style>
-      </p:cxnSp>
-      <p:cxnSp>
-        <p:nvCxnSpPr>
-          <p:cNvPr id="56" name="Straight Arrow Connector 55">
-            <a:extLst>
-              <a:ext uri="{FF2B5EF4-FFF2-40B4-BE49-F238E27FC236}">
-                <a16:creationId xmlns:a16="http://schemas.microsoft.com/office/drawing/2014/main" id="{990F8B60-C644-E840-A188-02024A37BEAD}"/>
-              </a:ext>
-            </a:extLst>
-          </p:cNvPr>
-          <p:cNvCxnSpPr>
-            <a:cxnSpLocks/>
-            <a:stCxn id="52" idx="3"/>
-            <a:endCxn id="53" idx="1"/>
-          </p:cNvCxnSpPr>
-          <p:nvPr/>
-        </p:nvCxnSpPr>
-        <p:spPr>
-          <a:xfrm flipV="1">
-            <a:off x="2875706" y="4290869"/>
-            <a:ext cx="290617" cy="1"/>
-          </a:xfrm>
-          <a:prstGeom prst="straightConnector1">
-            <a:avLst/>
-          </a:prstGeom>
-          <a:ln>
-            <a:solidFill>
-              <a:schemeClr val="tx1"/>
-            </a:solidFill>
-            <a:tailEnd type="triangle"/>
-          </a:ln>
-        </p:spPr>
-        <p:style>
-          <a:lnRef idx="1">
-            <a:schemeClr val="accent1"/>
-          </a:lnRef>
-          <a:fillRef idx="0">
-            <a:schemeClr val="accent1"/>
-          </a:fillRef>
-          <a:effectRef idx="0">
-            <a:schemeClr val="accent1"/>
-          </a:effectRef>
-          <a:fontRef idx="minor">
-            <a:schemeClr val="tx1"/>
-          </a:fontRef>
-        </p:style>
-      </p:cxnSp>
-      <p:cxnSp>
-        <p:nvCxnSpPr>
-          <p:cNvPr id="57" name="Straight Arrow Connector 56">
-            <a:extLst>
-              <a:ext uri="{FF2B5EF4-FFF2-40B4-BE49-F238E27FC236}">
-                <a16:creationId xmlns:a16="http://schemas.microsoft.com/office/drawing/2014/main" id="{AB4E1170-ABF6-EE4C-97A5-81FA259966B0}"/>
-              </a:ext>
-            </a:extLst>
-          </p:cNvPr>
-          <p:cNvCxnSpPr>
-            <a:cxnSpLocks/>
-            <a:stCxn id="53" idx="3"/>
-            <a:endCxn id="54" idx="1"/>
-          </p:cNvCxnSpPr>
-          <p:nvPr/>
-        </p:nvCxnSpPr>
-        <p:spPr>
-          <a:xfrm>
-            <a:off x="4311832" y="4290866"/>
-            <a:ext cx="290617" cy="0"/>
-          </a:xfrm>
-          <a:prstGeom prst="straightConnector1">
-            <a:avLst/>
-          </a:prstGeom>
-          <a:ln>
-            <a:solidFill>
-              <a:schemeClr val="tx1"/>
-            </a:solidFill>
-            <a:tailEnd type="triangle"/>
-          </a:ln>
-        </p:spPr>
-        <p:style>
-          <a:lnRef idx="1">
-            <a:schemeClr val="accent1"/>
-          </a:lnRef>
-          <a:fillRef idx="0">
-            <a:schemeClr val="accent1"/>
-          </a:fillRef>
-          <a:effectRef idx="0">
-            <a:schemeClr val="accent1"/>
-          </a:effectRef>
-          <a:fontRef idx="minor">
-            <a:schemeClr val="tx1"/>
-          </a:fontRef>
-        </p:style>
-      </p:cxnSp>
-      <p:sp>
-        <p:nvSpPr>
-          <p:cNvPr id="58" name="Rounded Rectangle 57">
-            <a:extLst>
-              <a:ext uri="{FF2B5EF4-FFF2-40B4-BE49-F238E27FC236}">
-                <a16:creationId xmlns:a16="http://schemas.microsoft.com/office/drawing/2014/main" id="{445DD916-9A6F-FE4F-AF98-D6FB66B9EAD1}"/>
-              </a:ext>
-            </a:extLst>
-          </p:cNvPr>
-          <p:cNvSpPr/>
-          <p:nvPr/>
-        </p:nvSpPr>
-        <p:spPr>
-          <a:xfrm>
-            <a:off x="106133" y="3907540"/>
-            <a:ext cx="1417338" cy="179110"/>
-          </a:xfrm>
-          <a:prstGeom prst="roundRect">
-            <a:avLst/>
-          </a:prstGeom>
-          <a:solidFill>
-            <a:schemeClr val="bg2"/>
-          </a:solidFill>
-          <a:ln>
-            <a:noFill/>
-          </a:ln>
-        </p:spPr>
-        <p:style>
-          <a:lnRef idx="2">
-            <a:schemeClr val="accent1">
-              <a:shade val="50000"/>
-            </a:schemeClr>
-          </a:lnRef>
-          <a:fillRef idx="1">
-            <a:schemeClr val="accent1"/>
-          </a:fillRef>
-          <a:effectRef idx="0">
-            <a:schemeClr val="accent1"/>
-          </a:effectRef>
-          <a:fontRef idx="minor">
-            <a:schemeClr val="lt1"/>
-          </a:fontRef>
-        </p:style>
-        <p:txBody>
-          <a:bodyPr rot="0" spcFirstLastPara="0" vertOverflow="overflow" horzOverflow="overflow" vert="horz" wrap="square" lIns="91440" tIns="45720" rIns="91440" bIns="45720" numCol="1" spcCol="0" rtlCol="0" fromWordArt="0" anchor="ctr" anchorCtr="0" forceAA="0" compatLnSpc="1">
-            <a:prstTxWarp prst="textNoShape">
-              <a:avLst/>
-            </a:prstTxWarp>
-            <a:noAutofit/>
-          </a:bodyPr>
-          <a:lstStyle/>
-          <a:p>
-            <a:pPr algn="ctr"/>
-            <a:r>
-              <a:rPr lang="de-DE" sz="1050">
-                <a:solidFill>
-                  <a:schemeClr val="tx1"/>
-                </a:solidFill>
-              </a:rPr>
-              <a:t>Reverse Order</a:t>
-            </a:r>
-          </a:p>
-        </p:txBody>
-      </p:sp>
-      <p:sp>
-        <p:nvSpPr>
-          <p:cNvPr id="59" name="Rounded Rectangle 58">
-            <a:extLst>
-              <a:ext uri="{FF2B5EF4-FFF2-40B4-BE49-F238E27FC236}">
-                <a16:creationId xmlns:a16="http://schemas.microsoft.com/office/drawing/2014/main" id="{21F2804F-01E9-5B4A-8046-5A6B183B10DF}"/>
-              </a:ext>
-            </a:extLst>
-          </p:cNvPr>
-          <p:cNvSpPr/>
-          <p:nvPr/>
-        </p:nvSpPr>
-        <p:spPr>
-          <a:xfrm>
-            <a:off x="226672" y="4086650"/>
-            <a:ext cx="5631443" cy="405230"/>
           </a:xfrm>
           <a:prstGeom prst="roundRect">
             <a:avLst/>

--- a/img/change_sequences.pptx
+++ b/img/change_sequences.pptx
@@ -242,7 +242,7 @@
           <a:lstStyle/>
           <a:p>
             <a:fld id="{F2E552FF-B4A5-B246-AE3C-479703C0625A}" type="datetimeFigureOut">
-              <a:t>07.08.20</a:t>
+              <a:t>18.08.20</a:t>
             </a:fld>
             <a:endParaRPr lang="de-DE"/>
           </a:p>
@@ -411,7 +411,7 @@
           <a:lstStyle/>
           <a:p>
             <a:fld id="{F2E552FF-B4A5-B246-AE3C-479703C0625A}" type="datetimeFigureOut">
-              <a:t>07.08.20</a:t>
+              <a:t>18.08.20</a:t>
             </a:fld>
             <a:endParaRPr lang="de-DE"/>
           </a:p>
@@ -590,7 +590,7 @@
           <a:lstStyle/>
           <a:p>
             <a:fld id="{F2E552FF-B4A5-B246-AE3C-479703C0625A}" type="datetimeFigureOut">
-              <a:t>07.08.20</a:t>
+              <a:t>18.08.20</a:t>
             </a:fld>
             <a:endParaRPr lang="de-DE"/>
           </a:p>
@@ -759,7 +759,7 @@
           <a:lstStyle/>
           <a:p>
             <a:fld id="{F2E552FF-B4A5-B246-AE3C-479703C0625A}" type="datetimeFigureOut">
-              <a:t>07.08.20</a:t>
+              <a:t>18.08.20</a:t>
             </a:fld>
             <a:endParaRPr lang="de-DE"/>
           </a:p>
@@ -1004,7 +1004,7 @@
           <a:lstStyle/>
           <a:p>
             <a:fld id="{F2E552FF-B4A5-B246-AE3C-479703C0625A}" type="datetimeFigureOut">
-              <a:t>07.08.20</a:t>
+              <a:t>18.08.20</a:t>
             </a:fld>
             <a:endParaRPr lang="de-DE"/>
           </a:p>
@@ -1235,7 +1235,7 @@
           <a:lstStyle/>
           <a:p>
             <a:fld id="{F2E552FF-B4A5-B246-AE3C-479703C0625A}" type="datetimeFigureOut">
-              <a:t>07.08.20</a:t>
+              <a:t>18.08.20</a:t>
             </a:fld>
             <a:endParaRPr lang="de-DE"/>
           </a:p>
@@ -1601,7 +1601,7 @@
           <a:lstStyle/>
           <a:p>
             <a:fld id="{F2E552FF-B4A5-B246-AE3C-479703C0625A}" type="datetimeFigureOut">
-              <a:t>07.08.20</a:t>
+              <a:t>18.08.20</a:t>
             </a:fld>
             <a:endParaRPr lang="de-DE"/>
           </a:p>
@@ -1718,7 +1718,7 @@
           <a:lstStyle/>
           <a:p>
             <a:fld id="{F2E552FF-B4A5-B246-AE3C-479703C0625A}" type="datetimeFigureOut">
-              <a:t>07.08.20</a:t>
+              <a:t>18.08.20</a:t>
             </a:fld>
             <a:endParaRPr lang="de-DE"/>
           </a:p>
@@ -1812,7 +1812,7 @@
           <a:lstStyle/>
           <a:p>
             <a:fld id="{F2E552FF-B4A5-B246-AE3C-479703C0625A}" type="datetimeFigureOut">
-              <a:t>07.08.20</a:t>
+              <a:t>18.08.20</a:t>
             </a:fld>
             <a:endParaRPr lang="de-DE"/>
           </a:p>
@@ -2088,7 +2088,7 @@
           <a:lstStyle/>
           <a:p>
             <a:fld id="{F2E552FF-B4A5-B246-AE3C-479703C0625A}" type="datetimeFigureOut">
-              <a:t>07.08.20</a:t>
+              <a:t>18.08.20</a:t>
             </a:fld>
             <a:endParaRPr lang="de-DE"/>
           </a:p>
@@ -2344,7 +2344,7 @@
           <a:lstStyle/>
           <a:p>
             <a:fld id="{F2E552FF-B4A5-B246-AE3C-479703C0625A}" type="datetimeFigureOut">
-              <a:t>07.08.20</a:t>
+              <a:t>18.08.20</a:t>
             </a:fld>
             <a:endParaRPr lang="de-DE"/>
           </a:p>
@@ -2556,7 +2556,7 @@
           </a:lstStyle>
           <a:p>
             <a:fld id="{F2E552FF-B4A5-B246-AE3C-479703C0625A}" type="datetimeFigureOut">
-              <a:t>07.08.20</a:t>
+              <a:t>18.08.20</a:t>
             </a:fld>
             <a:endParaRPr lang="de-DE"/>
           </a:p>
@@ -2975,8 +2975,8 @@
         </p:nvSpPr>
         <p:spPr>
           <a:xfrm>
-            <a:off x="294069" y="692272"/>
-            <a:ext cx="1145509" cy="251209"/>
+            <a:off x="436504" y="692272"/>
+            <a:ext cx="860638" cy="251209"/>
           </a:xfrm>
           <a:prstGeom prst="roundRect">
             <a:avLst/>
@@ -3039,8 +3039,8 @@
         </p:nvSpPr>
         <p:spPr>
           <a:xfrm>
-            <a:off x="1730195" y="692272"/>
-            <a:ext cx="1145509" cy="251209"/>
+            <a:off x="1556937" y="692272"/>
+            <a:ext cx="860638" cy="251209"/>
           </a:xfrm>
           <a:prstGeom prst="roundRect">
             <a:avLst/>
@@ -3103,8 +3103,8 @@
         </p:nvSpPr>
         <p:spPr>
           <a:xfrm>
-            <a:off x="3166323" y="692273"/>
-            <a:ext cx="1145509" cy="251209"/>
+            <a:off x="2677370" y="692272"/>
+            <a:ext cx="860638" cy="251209"/>
           </a:xfrm>
           <a:prstGeom prst="roundRect">
             <a:avLst/>
@@ -3167,8 +3167,8 @@
         </p:nvSpPr>
         <p:spPr>
           <a:xfrm>
-            <a:off x="4602449" y="692273"/>
-            <a:ext cx="1145509" cy="251209"/>
+            <a:off x="3804518" y="692272"/>
+            <a:ext cx="860638" cy="251209"/>
           </a:xfrm>
           <a:prstGeom prst="roundRect">
             <a:avLst/>
@@ -3234,8 +3234,8 @@
         </p:nvCxnSpPr>
         <p:spPr>
           <a:xfrm>
-            <a:off x="1439578" y="817876"/>
-            <a:ext cx="290617" cy="0"/>
+            <a:off x="1297142" y="817877"/>
+            <a:ext cx="259795" cy="0"/>
           </a:xfrm>
           <a:prstGeom prst="straightConnector1">
             <a:avLst/>
@@ -3279,9 +3279,9 @@
           <p:nvPr/>
         </p:nvCxnSpPr>
         <p:spPr>
-          <a:xfrm flipV="1">
-            <a:off x="2875706" y="817878"/>
-            <a:ext cx="290617" cy="1"/>
+          <a:xfrm>
+            <a:off x="2417575" y="817877"/>
+            <a:ext cx="259795" cy="0"/>
           </a:xfrm>
           <a:prstGeom prst="straightConnector1">
             <a:avLst/>
@@ -3326,8 +3326,8 @@
         </p:nvCxnSpPr>
         <p:spPr>
           <a:xfrm>
-            <a:off x="4311832" y="817875"/>
-            <a:ext cx="290617" cy="0"/>
+            <a:off x="3538008" y="817877"/>
+            <a:ext cx="266510" cy="0"/>
           </a:xfrm>
           <a:prstGeom prst="straightConnector1">
             <a:avLst/>
@@ -3368,8 +3368,8 @@
         </p:nvSpPr>
         <p:spPr>
           <a:xfrm>
-            <a:off x="295319" y="1445720"/>
-            <a:ext cx="1145509" cy="251209"/>
+            <a:off x="437754" y="1445720"/>
+            <a:ext cx="860638" cy="251209"/>
           </a:xfrm>
           <a:prstGeom prst="roundRect">
             <a:avLst/>
@@ -3432,8 +3432,8 @@
         </p:nvSpPr>
         <p:spPr>
           <a:xfrm>
-            <a:off x="1731445" y="1445720"/>
-            <a:ext cx="1145509" cy="251209"/>
+            <a:off x="1558187" y="1445720"/>
+            <a:ext cx="860638" cy="251209"/>
           </a:xfrm>
           <a:prstGeom prst="roundRect">
             <a:avLst/>
@@ -3496,8 +3496,8 @@
         </p:nvSpPr>
         <p:spPr>
           <a:xfrm>
-            <a:off x="3167573" y="1445721"/>
-            <a:ext cx="1145509" cy="251209"/>
+            <a:off x="2678620" y="1445720"/>
+            <a:ext cx="860638" cy="251209"/>
           </a:xfrm>
           <a:prstGeom prst="roundRect">
             <a:avLst/>
@@ -3560,8 +3560,8 @@
         </p:nvSpPr>
         <p:spPr>
           <a:xfrm>
-            <a:off x="4603699" y="1445721"/>
-            <a:ext cx="1145509" cy="251209"/>
+            <a:off x="3805768" y="1445720"/>
+            <a:ext cx="860638" cy="251209"/>
           </a:xfrm>
           <a:prstGeom prst="roundRect">
             <a:avLst/>
@@ -3627,9 +3627,9 @@
           <p:nvPr/>
         </p:nvCxnSpPr>
         <p:spPr>
-          <a:xfrm flipV="1">
-            <a:off x="1440828" y="1571324"/>
-            <a:ext cx="1726743" cy="1"/>
+          <a:xfrm>
+            <a:off x="1298392" y="1571325"/>
+            <a:ext cx="1380228" cy="0"/>
           </a:xfrm>
           <a:prstGeom prst="straightConnector1">
             <a:avLst/>
@@ -3674,8 +3674,8 @@
         </p:nvCxnSpPr>
         <p:spPr>
           <a:xfrm>
-            <a:off x="4313082" y="1571323"/>
-            <a:ext cx="290617" cy="0"/>
+            <a:off x="3539258" y="1571325"/>
+            <a:ext cx="266510" cy="0"/>
           </a:xfrm>
           <a:prstGeom prst="straightConnector1">
             <a:avLst/>
@@ -3716,8 +3716,8 @@
         </p:nvSpPr>
         <p:spPr>
           <a:xfrm>
-            <a:off x="295316" y="2957599"/>
-            <a:ext cx="1145509" cy="251209"/>
+            <a:off x="437751" y="2957599"/>
+            <a:ext cx="860638" cy="251209"/>
           </a:xfrm>
           <a:prstGeom prst="roundRect">
             <a:avLst/>
@@ -3780,8 +3780,8 @@
         </p:nvSpPr>
         <p:spPr>
           <a:xfrm>
-            <a:off x="1731442" y="2957599"/>
-            <a:ext cx="1145509" cy="251209"/>
+            <a:off x="1558184" y="2957599"/>
+            <a:ext cx="860638" cy="251209"/>
           </a:xfrm>
           <a:prstGeom prst="roundRect">
             <a:avLst/>
@@ -3848,8 +3848,8 @@
         </p:nvSpPr>
         <p:spPr>
           <a:xfrm>
-            <a:off x="3167570" y="2957600"/>
-            <a:ext cx="1145509" cy="251209"/>
+            <a:off x="2678617" y="2957599"/>
+            <a:ext cx="860638" cy="251209"/>
           </a:xfrm>
           <a:prstGeom prst="roundRect">
             <a:avLst/>
@@ -3916,8 +3916,8 @@
         </p:nvSpPr>
         <p:spPr>
           <a:xfrm>
-            <a:off x="4603696" y="2957600"/>
-            <a:ext cx="1145509" cy="251209"/>
+            <a:off x="3805765" y="2957599"/>
+            <a:ext cx="860638" cy="251209"/>
           </a:xfrm>
           <a:prstGeom prst="roundRect">
             <a:avLst/>
@@ -3983,8 +3983,8 @@
         </p:nvCxnSpPr>
         <p:spPr>
           <a:xfrm>
-            <a:off x="1440825" y="3083202"/>
-            <a:ext cx="290617" cy="0"/>
+            <a:off x="1298389" y="3083204"/>
+            <a:ext cx="259795" cy="0"/>
           </a:xfrm>
           <a:prstGeom prst="straightConnector1">
             <a:avLst/>
@@ -4028,9 +4028,9 @@
           <p:nvPr/>
         </p:nvCxnSpPr>
         <p:spPr>
-          <a:xfrm flipV="1">
-            <a:off x="2876953" y="3083205"/>
-            <a:ext cx="290617" cy="1"/>
+          <a:xfrm>
+            <a:off x="2418822" y="3083204"/>
+            <a:ext cx="259795" cy="0"/>
           </a:xfrm>
           <a:prstGeom prst="straightConnector1">
             <a:avLst/>
@@ -4075,8 +4075,8 @@
         </p:nvCxnSpPr>
         <p:spPr>
           <a:xfrm>
-            <a:off x="4313079" y="3083201"/>
-            <a:ext cx="290617" cy="0"/>
+            <a:off x="3539255" y="3083204"/>
+            <a:ext cx="266510" cy="0"/>
           </a:xfrm>
           <a:prstGeom prst="straightConnector1">
             <a:avLst/>
@@ -4117,8 +4117,8 @@
         </p:nvSpPr>
         <p:spPr>
           <a:xfrm>
-            <a:off x="294069" y="2212797"/>
-            <a:ext cx="1145509" cy="251209"/>
+            <a:off x="436504" y="2212797"/>
+            <a:ext cx="860638" cy="251209"/>
           </a:xfrm>
           <a:prstGeom prst="roundRect">
             <a:avLst/>
@@ -4181,8 +4181,8 @@
         </p:nvSpPr>
         <p:spPr>
           <a:xfrm>
-            <a:off x="1730195" y="2212797"/>
-            <a:ext cx="1145509" cy="251209"/>
+            <a:off x="1556937" y="2212797"/>
+            <a:ext cx="860638" cy="251209"/>
           </a:xfrm>
           <a:prstGeom prst="roundRect">
             <a:avLst/>
@@ -4249,8 +4249,8 @@
         </p:nvSpPr>
         <p:spPr>
           <a:xfrm>
-            <a:off x="3166323" y="2212798"/>
-            <a:ext cx="1145509" cy="251209"/>
+            <a:off x="2677370" y="2212797"/>
+            <a:ext cx="860638" cy="251209"/>
           </a:xfrm>
           <a:prstGeom prst="roundRect">
             <a:avLst/>
@@ -4317,8 +4317,8 @@
         </p:nvSpPr>
         <p:spPr>
           <a:xfrm>
-            <a:off x="4602449" y="2212798"/>
-            <a:ext cx="1145509" cy="251209"/>
+            <a:off x="3804518" y="2212797"/>
+            <a:ext cx="860638" cy="251209"/>
           </a:xfrm>
           <a:prstGeom prst="roundRect">
             <a:avLst/>
@@ -4388,8 +4388,8 @@
         </p:nvCxnSpPr>
         <p:spPr>
           <a:xfrm>
-            <a:off x="1439578" y="2338400"/>
-            <a:ext cx="290617" cy="0"/>
+            <a:off x="1297142" y="2338402"/>
+            <a:ext cx="259795" cy="0"/>
           </a:xfrm>
           <a:prstGeom prst="straightConnector1">
             <a:avLst/>
@@ -4433,9 +4433,9 @@
           <p:nvPr/>
         </p:nvCxnSpPr>
         <p:spPr>
-          <a:xfrm flipV="1">
-            <a:off x="2875706" y="2338403"/>
-            <a:ext cx="290617" cy="1"/>
+          <a:xfrm>
+            <a:off x="2417575" y="2338402"/>
+            <a:ext cx="259795" cy="0"/>
           </a:xfrm>
           <a:prstGeom prst="straightConnector1">
             <a:avLst/>
@@ -4480,8 +4480,8 @@
         </p:nvCxnSpPr>
         <p:spPr>
           <a:xfrm>
-            <a:off x="4311832" y="2338399"/>
-            <a:ext cx="290617" cy="0"/>
+            <a:off x="3538008" y="2338402"/>
+            <a:ext cx="266510" cy="0"/>
           </a:xfrm>
           <a:prstGeom prst="straightConnector1">
             <a:avLst/>
@@ -4522,8 +4522,8 @@
         </p:nvSpPr>
         <p:spPr>
           <a:xfrm>
-            <a:off x="294071" y="3707738"/>
-            <a:ext cx="1145509" cy="251209"/>
+            <a:off x="436506" y="5228882"/>
+            <a:ext cx="860638" cy="251209"/>
           </a:xfrm>
           <a:prstGeom prst="roundRect">
             <a:avLst/>
@@ -4586,8 +4586,8 @@
         </p:nvSpPr>
         <p:spPr>
           <a:xfrm>
-            <a:off x="1730197" y="3707738"/>
-            <a:ext cx="1145509" cy="251209"/>
+            <a:off x="1556939" y="5228882"/>
+            <a:ext cx="860638" cy="251209"/>
           </a:xfrm>
           <a:prstGeom prst="roundRect">
             <a:avLst/>
@@ -4650,8 +4650,8 @@
         </p:nvSpPr>
         <p:spPr>
           <a:xfrm>
-            <a:off x="3166325" y="3707739"/>
-            <a:ext cx="1145509" cy="251209"/>
+            <a:off x="2677372" y="5228882"/>
+            <a:ext cx="860638" cy="251209"/>
           </a:xfrm>
           <a:prstGeom prst="roundRect">
             <a:avLst/>
@@ -4716,8 +4716,8 @@
         </p:nvSpPr>
         <p:spPr>
           <a:xfrm>
-            <a:off x="4602451" y="3707739"/>
-            <a:ext cx="1145509" cy="251209"/>
+            <a:off x="3804520" y="5228882"/>
+            <a:ext cx="860638" cy="251209"/>
           </a:xfrm>
           <a:prstGeom prst="roundRect">
             <a:avLst/>
@@ -4783,8 +4783,8 @@
         </p:nvCxnSpPr>
         <p:spPr>
           <a:xfrm>
-            <a:off x="1439580" y="3833341"/>
-            <a:ext cx="290617" cy="0"/>
+            <a:off x="1297144" y="5354487"/>
+            <a:ext cx="259795" cy="0"/>
           </a:xfrm>
           <a:prstGeom prst="straightConnector1">
             <a:avLst/>
@@ -4828,9 +4828,9 @@
           <p:nvPr/>
         </p:nvCxnSpPr>
         <p:spPr>
-          <a:xfrm flipV="1">
-            <a:off x="2875708" y="3833344"/>
-            <a:ext cx="290617" cy="1"/>
+          <a:xfrm>
+            <a:off x="2417577" y="5354487"/>
+            <a:ext cx="259795" cy="0"/>
           </a:xfrm>
           <a:prstGeom prst="straightConnector1">
             <a:avLst/>
@@ -4875,8 +4875,8 @@
         </p:nvCxnSpPr>
         <p:spPr>
           <a:xfrm>
-            <a:off x="4311834" y="3833340"/>
-            <a:ext cx="290617" cy="0"/>
+            <a:off x="3538010" y="5354487"/>
+            <a:ext cx="266510" cy="0"/>
           </a:xfrm>
           <a:prstGeom prst="straightConnector1">
             <a:avLst/>
@@ -4920,15 +4920,15 @@
         </p:nvCxnSpPr>
         <p:spPr>
           <a:xfrm>
-            <a:off x="1731445" y="1571324"/>
-            <a:ext cx="1145509" cy="0"/>
+            <a:off x="1558187" y="1571325"/>
+            <a:ext cx="860638" cy="0"/>
           </a:xfrm>
           <a:prstGeom prst="line">
             <a:avLst/>
           </a:prstGeom>
           <a:ln w="19050">
             <a:solidFill>
-              <a:srgbClr val="FF0000"/>
+              <a:schemeClr val="tx1"/>
             </a:solidFill>
           </a:ln>
         </p:spPr>
@@ -4961,8 +4961,8 @@
         </p:nvSpPr>
         <p:spPr>
           <a:xfrm>
-            <a:off x="6039820" y="2957598"/>
-            <a:ext cx="1145509" cy="251209"/>
+            <a:off x="4924953" y="2957599"/>
+            <a:ext cx="860638" cy="251209"/>
           </a:xfrm>
           <a:prstGeom prst="roundRect">
             <a:avLst/>
@@ -5022,14 +5022,15 @@
           </p:cNvPr>
           <p:cNvCxnSpPr>
             <a:cxnSpLocks/>
+            <a:stCxn id="91" idx="3"/>
             <a:endCxn id="115" idx="1"/>
           </p:cNvCxnSpPr>
           <p:nvPr/>
         </p:nvCxnSpPr>
         <p:spPr>
           <a:xfrm>
-            <a:off x="5749203" y="3083201"/>
-            <a:ext cx="290617" cy="0"/>
+            <a:off x="4666403" y="3083204"/>
+            <a:ext cx="258550" cy="0"/>
           </a:xfrm>
           <a:prstGeom prst="straightConnector1">
             <a:avLst/>
@@ -5070,8 +5071,8 @@
         </p:nvSpPr>
         <p:spPr>
           <a:xfrm>
-            <a:off x="6038575" y="3707737"/>
-            <a:ext cx="1145509" cy="251209"/>
+            <a:off x="4923708" y="5228882"/>
+            <a:ext cx="860638" cy="251209"/>
           </a:xfrm>
           <a:prstGeom prst="roundRect">
             <a:avLst/>
@@ -5131,14 +5132,15 @@
           </p:cNvPr>
           <p:cNvCxnSpPr>
             <a:cxnSpLocks/>
+            <a:stCxn id="105" idx="3"/>
             <a:endCxn id="117" idx="1"/>
           </p:cNvCxnSpPr>
           <p:nvPr/>
         </p:nvCxnSpPr>
         <p:spPr>
           <a:xfrm>
-            <a:off x="5747958" y="3833340"/>
-            <a:ext cx="290617" cy="0"/>
+            <a:off x="4665158" y="5354487"/>
+            <a:ext cx="258550" cy="0"/>
           </a:xfrm>
           <a:prstGeom prst="straightConnector1">
             <a:avLst/>
@@ -5435,7 +5437,7 @@
         </p:nvSpPr>
         <p:spPr>
           <a:xfrm>
-            <a:off x="106133" y="3456527"/>
+            <a:off x="106133" y="4977671"/>
             <a:ext cx="1417338" cy="179110"/>
           </a:xfrm>
           <a:prstGeom prst="roundRect">
@@ -5500,7 +5502,7 @@
         <p:spPr>
           <a:xfrm>
             <a:off x="226672" y="613659"/>
-            <a:ext cx="5631443" cy="405230"/>
+            <a:ext cx="4606585" cy="405230"/>
           </a:xfrm>
           <a:prstGeom prst="roundRect">
             <a:avLst/>
@@ -5553,7 +5555,7 @@
         <p:spPr>
           <a:xfrm>
             <a:off x="226671" y="1371532"/>
-            <a:ext cx="5631443" cy="405230"/>
+            <a:ext cx="4606585" cy="405230"/>
           </a:xfrm>
           <a:prstGeom prst="roundRect">
             <a:avLst/>
@@ -5606,7 +5608,7 @@
         <p:spPr>
           <a:xfrm>
             <a:off x="215761" y="2124471"/>
-            <a:ext cx="5631443" cy="405230"/>
+            <a:ext cx="4606585" cy="405230"/>
           </a:xfrm>
           <a:prstGeom prst="roundRect">
             <a:avLst/>
@@ -5659,7 +5661,7 @@
         <p:spPr>
           <a:xfrm>
             <a:off x="226669" y="2885220"/>
-            <a:ext cx="7006198" cy="405230"/>
+            <a:ext cx="5722374" cy="405230"/>
           </a:xfrm>
           <a:prstGeom prst="roundRect">
             <a:avLst/>
@@ -5711,8 +5713,8 @@
         </p:nvSpPr>
         <p:spPr>
           <a:xfrm>
-            <a:off x="225424" y="3637185"/>
-            <a:ext cx="7006198" cy="405230"/>
+            <a:off x="225424" y="5158329"/>
+            <a:ext cx="5722374" cy="405230"/>
           </a:xfrm>
           <a:prstGeom prst="roundRect">
             <a:avLst/>
